--- a/Release Powerpoints/V2.5.0.pptx
+++ b/Release Powerpoints/V2.5.0.pptx
@@ -845,7 +845,7 @@
           <a:p>
             <a:fld id="{CCED65F4-2A77-484B-94A0-5A930235145A}" type="datetimeFigureOut">
               <a:rPr lang="en-US" smtClean="0"/>
-              <a:t>23-Nov-17</a:t>
+              <a:t>11/23/2017</a:t>
             </a:fld>
             <a:endParaRPr lang="en-US"/>
           </a:p>
@@ -1096,7 +1096,7 @@
           <a:p>
             <a:fld id="{CCED65F4-2A77-484B-94A0-5A930235145A}" type="datetimeFigureOut">
               <a:rPr lang="en-US" smtClean="0"/>
-              <a:t>23-Nov-17</a:t>
+              <a:t>11/23/2017</a:t>
             </a:fld>
             <a:endParaRPr lang="en-US"/>
           </a:p>
@@ -1410,7 +1410,7 @@
           <a:p>
             <a:fld id="{CCED65F4-2A77-484B-94A0-5A930235145A}" type="datetimeFigureOut">
               <a:rPr lang="en-US" smtClean="0"/>
-              <a:t>23-Nov-17</a:t>
+              <a:t>11/23/2017</a:t>
             </a:fld>
             <a:endParaRPr lang="en-US"/>
           </a:p>
@@ -1751,7 +1751,7 @@
           <a:p>
             <a:fld id="{CCED65F4-2A77-484B-94A0-5A930235145A}" type="datetimeFigureOut">
               <a:rPr lang="en-US" smtClean="0"/>
-              <a:t>23-Nov-17</a:t>
+              <a:t>11/23/2017</a:t>
             </a:fld>
             <a:endParaRPr lang="en-US"/>
           </a:p>
@@ -2065,7 +2065,7 @@
           <a:p>
             <a:fld id="{CCED65F4-2A77-484B-94A0-5A930235145A}" type="datetimeFigureOut">
               <a:rPr lang="en-US" smtClean="0"/>
-              <a:t>23-Nov-17</a:t>
+              <a:t>11/23/2017</a:t>
             </a:fld>
             <a:endParaRPr lang="en-US"/>
           </a:p>
@@ -2458,7 +2458,7 @@
           <a:p>
             <a:fld id="{CCED65F4-2A77-484B-94A0-5A930235145A}" type="datetimeFigureOut">
               <a:rPr lang="en-US" smtClean="0"/>
-              <a:t>23-Nov-17</a:t>
+              <a:t>11/23/2017</a:t>
             </a:fld>
             <a:endParaRPr lang="en-US"/>
           </a:p>
@@ -2628,7 +2628,7 @@
           <a:p>
             <a:fld id="{CCED65F4-2A77-484B-94A0-5A930235145A}" type="datetimeFigureOut">
               <a:rPr lang="en-US" smtClean="0"/>
-              <a:t>23-Nov-17</a:t>
+              <a:t>11/23/2017</a:t>
             </a:fld>
             <a:endParaRPr lang="en-US"/>
           </a:p>
@@ -2808,7 +2808,7 @@
           <a:p>
             <a:fld id="{CCED65F4-2A77-484B-94A0-5A930235145A}" type="datetimeFigureOut">
               <a:rPr lang="en-US" smtClean="0"/>
-              <a:t>23-Nov-17</a:t>
+              <a:t>11/23/2017</a:t>
             </a:fld>
             <a:endParaRPr lang="en-US"/>
           </a:p>
@@ -2984,7 +2984,7 @@
           <a:p>
             <a:fld id="{CCED65F4-2A77-484B-94A0-5A930235145A}" type="datetimeFigureOut">
               <a:rPr lang="en-US" smtClean="0"/>
-              <a:t>23-Nov-17</a:t>
+              <a:t>11/23/2017</a:t>
             </a:fld>
             <a:endParaRPr lang="en-US"/>
           </a:p>
@@ -3231,7 +3231,7 @@
           <a:p>
             <a:fld id="{CCED65F4-2A77-484B-94A0-5A930235145A}" type="datetimeFigureOut">
               <a:rPr lang="en-US" smtClean="0"/>
-              <a:t>23-Nov-17</a:t>
+              <a:t>11/23/2017</a:t>
             </a:fld>
             <a:endParaRPr lang="en-US"/>
           </a:p>
@@ -3463,7 +3463,7 @@
           <a:p>
             <a:fld id="{CCED65F4-2A77-484B-94A0-5A930235145A}" type="datetimeFigureOut">
               <a:rPr lang="en-US" smtClean="0"/>
-              <a:t>23-Nov-17</a:t>
+              <a:t>11/23/2017</a:t>
             </a:fld>
             <a:endParaRPr lang="en-US"/>
           </a:p>
@@ -3837,7 +3837,7 @@
           <a:p>
             <a:fld id="{CCED65F4-2A77-484B-94A0-5A930235145A}" type="datetimeFigureOut">
               <a:rPr lang="en-US" smtClean="0"/>
-              <a:t>23-Nov-17</a:t>
+              <a:t>11/23/2017</a:t>
             </a:fld>
             <a:endParaRPr lang="en-US"/>
           </a:p>
@@ -3960,7 +3960,7 @@
           <a:p>
             <a:fld id="{CCED65F4-2A77-484B-94A0-5A930235145A}" type="datetimeFigureOut">
               <a:rPr lang="en-US" smtClean="0"/>
-              <a:t>23-Nov-17</a:t>
+              <a:t>11/23/2017</a:t>
             </a:fld>
             <a:endParaRPr lang="en-US"/>
           </a:p>
@@ -4055,7 +4055,7 @@
           <a:p>
             <a:fld id="{CCED65F4-2A77-484B-94A0-5A930235145A}" type="datetimeFigureOut">
               <a:rPr lang="en-US" smtClean="0"/>
-              <a:t>23-Nov-17</a:t>
+              <a:t>11/23/2017</a:t>
             </a:fld>
             <a:endParaRPr lang="en-US"/>
           </a:p>
@@ -4310,7 +4310,7 @@
           <a:p>
             <a:fld id="{CCED65F4-2A77-484B-94A0-5A930235145A}" type="datetimeFigureOut">
               <a:rPr lang="en-US" smtClean="0"/>
-              <a:t>23-Nov-17</a:t>
+              <a:t>11/23/2017</a:t>
             </a:fld>
             <a:endParaRPr lang="en-US"/>
           </a:p>
@@ -4573,7 +4573,7 @@
           <a:p>
             <a:fld id="{CCED65F4-2A77-484B-94A0-5A930235145A}" type="datetimeFigureOut">
               <a:rPr lang="en-US" smtClean="0"/>
-              <a:t>23-Nov-17</a:t>
+              <a:t>11/23/2017</a:t>
             </a:fld>
             <a:endParaRPr lang="en-US"/>
           </a:p>
@@ -5316,7 +5316,7 @@
           <a:p>
             <a:fld id="{CCED65F4-2A77-484B-94A0-5A930235145A}" type="datetimeFigureOut">
               <a:rPr lang="en-US" smtClean="0"/>
-              <a:t>23-Nov-17</a:t>
+              <a:t>11/23/2017</a:t>
             </a:fld>
             <a:endParaRPr lang="en-US"/>
           </a:p>
@@ -6663,7 +6663,15 @@
           <a:p>
             <a:r>
               <a:rPr lang="en-US" dirty="0"/>
-              <a:t>Error: When starting new sale items already in cart and cannot cancel sale or remove items from cart</a:t>
+              <a:t>Error: When starting new sale there are items already added into cart and the user cannot cancel the sale or </a:t>
+            </a:r>
+            <a:r>
+              <a:rPr lang="en-US"/>
+              <a:t>remove the items </a:t>
+            </a:r>
+            <a:r>
+              <a:rPr lang="en-US" dirty="0"/>
+              <a:t>from cart</a:t>
             </a:r>
           </a:p>
           <a:p>

--- a/Release Powerpoints/V2.5.0.pptx
+++ b/Release Powerpoints/V2.5.0.pptx
@@ -845,7 +845,7 @@
           <a:p>
             <a:fld id="{CCED65F4-2A77-484B-94A0-5A930235145A}" type="datetimeFigureOut">
               <a:rPr lang="en-US" smtClean="0"/>
-              <a:t>11/23/2017</a:t>
+              <a:t>11/24/2017</a:t>
             </a:fld>
             <a:endParaRPr lang="en-US"/>
           </a:p>
@@ -1096,7 +1096,7 @@
           <a:p>
             <a:fld id="{CCED65F4-2A77-484B-94A0-5A930235145A}" type="datetimeFigureOut">
               <a:rPr lang="en-US" smtClean="0"/>
-              <a:t>11/23/2017</a:t>
+              <a:t>11/24/2017</a:t>
             </a:fld>
             <a:endParaRPr lang="en-US"/>
           </a:p>
@@ -1410,7 +1410,7 @@
           <a:p>
             <a:fld id="{CCED65F4-2A77-484B-94A0-5A930235145A}" type="datetimeFigureOut">
               <a:rPr lang="en-US" smtClean="0"/>
-              <a:t>11/23/2017</a:t>
+              <a:t>11/24/2017</a:t>
             </a:fld>
             <a:endParaRPr lang="en-US"/>
           </a:p>
@@ -1751,7 +1751,7 @@
           <a:p>
             <a:fld id="{CCED65F4-2A77-484B-94A0-5A930235145A}" type="datetimeFigureOut">
               <a:rPr lang="en-US" smtClean="0"/>
-              <a:t>11/23/2017</a:t>
+              <a:t>11/24/2017</a:t>
             </a:fld>
             <a:endParaRPr lang="en-US"/>
           </a:p>
@@ -2065,7 +2065,7 @@
           <a:p>
             <a:fld id="{CCED65F4-2A77-484B-94A0-5A930235145A}" type="datetimeFigureOut">
               <a:rPr lang="en-US" smtClean="0"/>
-              <a:t>11/23/2017</a:t>
+              <a:t>11/24/2017</a:t>
             </a:fld>
             <a:endParaRPr lang="en-US"/>
           </a:p>
@@ -2458,7 +2458,7 @@
           <a:p>
             <a:fld id="{CCED65F4-2A77-484B-94A0-5A930235145A}" type="datetimeFigureOut">
               <a:rPr lang="en-US" smtClean="0"/>
-              <a:t>11/23/2017</a:t>
+              <a:t>11/24/2017</a:t>
             </a:fld>
             <a:endParaRPr lang="en-US"/>
           </a:p>
@@ -2628,7 +2628,7 @@
           <a:p>
             <a:fld id="{CCED65F4-2A77-484B-94A0-5A930235145A}" type="datetimeFigureOut">
               <a:rPr lang="en-US" smtClean="0"/>
-              <a:t>11/23/2017</a:t>
+              <a:t>11/24/2017</a:t>
             </a:fld>
             <a:endParaRPr lang="en-US"/>
           </a:p>
@@ -2808,7 +2808,7 @@
           <a:p>
             <a:fld id="{CCED65F4-2A77-484B-94A0-5A930235145A}" type="datetimeFigureOut">
               <a:rPr lang="en-US" smtClean="0"/>
-              <a:t>11/23/2017</a:t>
+              <a:t>11/24/2017</a:t>
             </a:fld>
             <a:endParaRPr lang="en-US"/>
           </a:p>
@@ -2984,7 +2984,7 @@
           <a:p>
             <a:fld id="{CCED65F4-2A77-484B-94A0-5A930235145A}" type="datetimeFigureOut">
               <a:rPr lang="en-US" smtClean="0"/>
-              <a:t>11/23/2017</a:t>
+              <a:t>11/24/2017</a:t>
             </a:fld>
             <a:endParaRPr lang="en-US"/>
           </a:p>
@@ -3231,7 +3231,7 @@
           <a:p>
             <a:fld id="{CCED65F4-2A77-484B-94A0-5A930235145A}" type="datetimeFigureOut">
               <a:rPr lang="en-US" smtClean="0"/>
-              <a:t>11/23/2017</a:t>
+              <a:t>11/24/2017</a:t>
             </a:fld>
             <a:endParaRPr lang="en-US"/>
           </a:p>
@@ -3463,7 +3463,7 @@
           <a:p>
             <a:fld id="{CCED65F4-2A77-484B-94A0-5A930235145A}" type="datetimeFigureOut">
               <a:rPr lang="en-US" smtClean="0"/>
-              <a:t>11/23/2017</a:t>
+              <a:t>11/24/2017</a:t>
             </a:fld>
             <a:endParaRPr lang="en-US"/>
           </a:p>
@@ -3837,7 +3837,7 @@
           <a:p>
             <a:fld id="{CCED65F4-2A77-484B-94A0-5A930235145A}" type="datetimeFigureOut">
               <a:rPr lang="en-US" smtClean="0"/>
-              <a:t>11/23/2017</a:t>
+              <a:t>11/24/2017</a:t>
             </a:fld>
             <a:endParaRPr lang="en-US"/>
           </a:p>
@@ -3960,7 +3960,7 @@
           <a:p>
             <a:fld id="{CCED65F4-2A77-484B-94A0-5A930235145A}" type="datetimeFigureOut">
               <a:rPr lang="en-US" smtClean="0"/>
-              <a:t>11/23/2017</a:t>
+              <a:t>11/24/2017</a:t>
             </a:fld>
             <a:endParaRPr lang="en-US"/>
           </a:p>
@@ -4055,7 +4055,7 @@
           <a:p>
             <a:fld id="{CCED65F4-2A77-484B-94A0-5A930235145A}" type="datetimeFigureOut">
               <a:rPr lang="en-US" smtClean="0"/>
-              <a:t>11/23/2017</a:t>
+              <a:t>11/24/2017</a:t>
             </a:fld>
             <a:endParaRPr lang="en-US"/>
           </a:p>
@@ -4310,7 +4310,7 @@
           <a:p>
             <a:fld id="{CCED65F4-2A77-484B-94A0-5A930235145A}" type="datetimeFigureOut">
               <a:rPr lang="en-US" smtClean="0"/>
-              <a:t>11/23/2017</a:t>
+              <a:t>11/24/2017</a:t>
             </a:fld>
             <a:endParaRPr lang="en-US"/>
           </a:p>
@@ -4573,7 +4573,7 @@
           <a:p>
             <a:fld id="{CCED65F4-2A77-484B-94A0-5A930235145A}" type="datetimeFigureOut">
               <a:rPr lang="en-US" smtClean="0"/>
-              <a:t>11/23/2017</a:t>
+              <a:t>11/24/2017</a:t>
             </a:fld>
             <a:endParaRPr lang="en-US"/>
           </a:p>
@@ -5316,7 +5316,7 @@
           <a:p>
             <a:fld id="{CCED65F4-2A77-484B-94A0-5A930235145A}" type="datetimeFigureOut">
               <a:rPr lang="en-US" smtClean="0"/>
-              <a:t>11/23/2017</a:t>
+              <a:t>11/24/2017</a:t>
             </a:fld>
             <a:endParaRPr lang="en-US"/>
           </a:p>
@@ -7524,8 +7524,21 @@
                   <a:srgbClr val="FFFFFF"/>
                 </a:solidFill>
               </a:rPr>
-              <a:t>Default inventory order set to descending order</a:t>
-            </a:r>
+              <a:t>Default inventory order set to descending order by </a:t>
+            </a:r>
+            <a:r>
+              <a:rPr lang="en-US">
+                <a:solidFill>
+                  <a:srgbClr val="FFFFFF"/>
+                </a:solidFill>
+              </a:rPr>
+              <a:t>SKU number</a:t>
+            </a:r>
+            <a:endParaRPr lang="en-US" dirty="0">
+              <a:solidFill>
+                <a:srgbClr val="FFFFFF"/>
+              </a:solidFill>
+            </a:endParaRPr>
           </a:p>
         </p:txBody>
       </p:sp>
